--- a/Design.pptx
+++ b/Design.pptx
@@ -109,6 +109,11 @@
       </a:defRPr>
     </a:lvl9pPr>
   </p:defaultTextStyle>
+  <p:extLst>
+    <p:ext uri="{EFAFB233-063F-42B5-8137-9DF3F51BA10A}">
+      <p15:sldGuideLst xmlns:p15="http://schemas.microsoft.com/office/powerpoint/2012/main"/>
+    </p:ext>
+  </p:extLst>
 </p:presentation>
 </file>
 
@@ -5063,7 +5068,7 @@
           <a:p>
             <a:fld id="{C2E62B3C-B4F9-45D7-A2CE-79E4CF8A43AA}" type="datetimeFigureOut">
               <a:rPr lang="en-US" smtClean="0"/>
-              <a:t>8/4/2020</a:t>
+              <a:t>8/11/2020</a:t>
             </a:fld>
             <a:endParaRPr lang="en-US"/>
           </a:p>
@@ -5261,7 +5266,7 @@
           <a:p>
             <a:fld id="{C2E62B3C-B4F9-45D7-A2CE-79E4CF8A43AA}" type="datetimeFigureOut">
               <a:rPr lang="en-US" smtClean="0"/>
-              <a:t>8/4/2020</a:t>
+              <a:t>8/11/2020</a:t>
             </a:fld>
             <a:endParaRPr lang="en-US"/>
           </a:p>
@@ -5469,7 +5474,7 @@
           <a:p>
             <a:fld id="{C2E62B3C-B4F9-45D7-A2CE-79E4CF8A43AA}" type="datetimeFigureOut">
               <a:rPr lang="en-US" smtClean="0"/>
-              <a:t>8/4/2020</a:t>
+              <a:t>8/11/2020</a:t>
             </a:fld>
             <a:endParaRPr lang="en-US"/>
           </a:p>
@@ -5667,7 +5672,7 @@
           <a:p>
             <a:fld id="{C2E62B3C-B4F9-45D7-A2CE-79E4CF8A43AA}" type="datetimeFigureOut">
               <a:rPr lang="en-US" smtClean="0"/>
-              <a:t>8/4/2020</a:t>
+              <a:t>8/11/2020</a:t>
             </a:fld>
             <a:endParaRPr lang="en-US"/>
           </a:p>
@@ -5942,7 +5947,7 @@
           <a:p>
             <a:fld id="{C2E62B3C-B4F9-45D7-A2CE-79E4CF8A43AA}" type="datetimeFigureOut">
               <a:rPr lang="en-US" smtClean="0"/>
-              <a:t>8/4/2020</a:t>
+              <a:t>8/11/2020</a:t>
             </a:fld>
             <a:endParaRPr lang="en-US"/>
           </a:p>
@@ -6207,7 +6212,7 @@
           <a:p>
             <a:fld id="{C2E62B3C-B4F9-45D7-A2CE-79E4CF8A43AA}" type="datetimeFigureOut">
               <a:rPr lang="en-US" smtClean="0"/>
-              <a:t>8/4/2020</a:t>
+              <a:t>8/11/2020</a:t>
             </a:fld>
             <a:endParaRPr lang="en-US"/>
           </a:p>
@@ -6619,7 +6624,7 @@
           <a:p>
             <a:fld id="{C2E62B3C-B4F9-45D7-A2CE-79E4CF8A43AA}" type="datetimeFigureOut">
               <a:rPr lang="en-US" smtClean="0"/>
-              <a:t>8/4/2020</a:t>
+              <a:t>8/11/2020</a:t>
             </a:fld>
             <a:endParaRPr lang="en-US"/>
           </a:p>
@@ -6760,7 +6765,7 @@
           <a:p>
             <a:fld id="{C2E62B3C-B4F9-45D7-A2CE-79E4CF8A43AA}" type="datetimeFigureOut">
               <a:rPr lang="en-US" smtClean="0"/>
-              <a:t>8/4/2020</a:t>
+              <a:t>8/11/2020</a:t>
             </a:fld>
             <a:endParaRPr lang="en-US"/>
           </a:p>
@@ -6873,7 +6878,7 @@
           <a:p>
             <a:fld id="{C2E62B3C-B4F9-45D7-A2CE-79E4CF8A43AA}" type="datetimeFigureOut">
               <a:rPr lang="en-US" smtClean="0"/>
-              <a:t>8/4/2020</a:t>
+              <a:t>8/11/2020</a:t>
             </a:fld>
             <a:endParaRPr lang="en-US"/>
           </a:p>
@@ -7184,7 +7189,7 @@
           <a:p>
             <a:fld id="{C2E62B3C-B4F9-45D7-A2CE-79E4CF8A43AA}" type="datetimeFigureOut">
               <a:rPr lang="en-US" smtClean="0"/>
-              <a:t>8/4/2020</a:t>
+              <a:t>8/11/2020</a:t>
             </a:fld>
             <a:endParaRPr lang="en-US"/>
           </a:p>
@@ -7472,7 +7477,7 @@
           <a:p>
             <a:fld id="{C2E62B3C-B4F9-45D7-A2CE-79E4CF8A43AA}" type="datetimeFigureOut">
               <a:rPr lang="en-US" smtClean="0"/>
-              <a:t>8/4/2020</a:t>
+              <a:t>8/11/2020</a:t>
             </a:fld>
             <a:endParaRPr lang="en-US"/>
           </a:p>
@@ -7713,7 +7718,7 @@
           <a:p>
             <a:fld id="{C2E62B3C-B4F9-45D7-A2CE-79E4CF8A43AA}" type="datetimeFigureOut">
               <a:rPr lang="en-US" smtClean="0"/>
-              <a:t>8/4/2020</a:t>
+              <a:t>8/11/2020</a:t>
             </a:fld>
             <a:endParaRPr lang="en-US"/>
           </a:p>
@@ -8213,24 +8218,13 @@
           <a:p>
             <a:r>
               <a:rPr lang="en-US" dirty="0"/>
-              <a:t>4- Prototype: page layout </a:t>
+              <a:t>4- Prototype: page layout with colors  - buttons clickable  html</a:t>
             </a:r>
             <a:r>
-              <a:rPr lang="en-US" dirty="0" err="1"/>
-              <a:t>withcolors</a:t>
+              <a:rPr lang="en-US"/>
+              <a:t>, CSS</a:t>
             </a:r>
-            <a:r>
-              <a:rPr lang="en-US" dirty="0"/>
-              <a:t> using a software - buttons clickable  html, </a:t>
-            </a:r>
-            <a:r>
-              <a:rPr lang="en-US" dirty="0" err="1"/>
-              <a:t>css</a:t>
-            </a:r>
-            <a:r>
-              <a:rPr lang="en-US" dirty="0"/>
-              <a:t>  </a:t>
-            </a:r>
+            <a:endParaRPr lang="en-US" dirty="0"/>
           </a:p>
           <a:p>
             <a:endParaRPr lang="en-US" dirty="0"/>
@@ -10379,6 +10373,21 @@
 </file>
 
 <file path=customXml/item1.xml><?xml version="1.0" encoding="utf-8"?>
+<p:properties xmlns:p="http://schemas.microsoft.com/office/2006/metadata/properties" xmlns:xsi="http://www.w3.org/2001/XMLSchema-instance" xmlns:pc="http://schemas.microsoft.com/office/infopath/2007/PartnerControls">
+  <documentManagement/>
+</p:properties>
+</file>
+
+<file path=customXml/item2.xml><?xml version="1.0" encoding="utf-8"?>
+<?mso-contentType ?>
+<FormTemplates xmlns="http://schemas.microsoft.com/sharepoint/v3/contenttype/forms">
+  <Display>DocumentLibraryForm</Display>
+  <Edit>DocumentLibraryForm</Edit>
+  <New>DocumentLibraryForm</New>
+</FormTemplates>
+</file>
+
+<file path=customXml/item3.xml><?xml version="1.0" encoding="utf-8"?>
 <ct:contentTypeSchema xmlns:ct="http://schemas.microsoft.com/office/2006/metadata/contentType" xmlns:ma="http://schemas.microsoft.com/office/2006/metadata/properties/metaAttributes" ct:_="" ma:_="" ma:contentTypeName="Document" ma:contentTypeID="0x010100EDADAF9506A96A428965D4E231A638D7" ma:contentTypeVersion="12" ma:contentTypeDescription="Create a new document." ma:contentTypeScope="" ma:versionID="9d04d4ae47dfbb5b2b66981319669d2d">
   <xsd:schema xmlns:xsd="http://www.w3.org/2001/XMLSchema" xmlns:xs="http://www.w3.org/2001/XMLSchema" xmlns:p="http://schemas.microsoft.com/office/2006/metadata/properties" xmlns:ns3="364f4060-5fe7-4c7e-a641-d7a91521b4a4" xmlns:ns4="b2266073-0a5b-46f3-b5b9-a6b5e020fc64" targetNamespace="http://schemas.microsoft.com/office/2006/metadata/properties" ma:root="true" ma:fieldsID="bfc45b136daa61d8be81dc760fdd7e3d" ns3:_="" ns4:_="">
     <xsd:import namespace="364f4060-5fe7-4c7e-a641-d7a91521b4a4"/>
@@ -10595,22 +10604,32 @@
 </ct:contentTypeSchema>
 </file>
 
-<file path=customXml/item2.xml><?xml version="1.0" encoding="utf-8"?>
-<?mso-contentType ?>
-<FormTemplates xmlns="http://schemas.microsoft.com/sharepoint/v3/contenttype/forms">
-  <Display>DocumentLibraryForm</Display>
-  <Edit>DocumentLibraryForm</Edit>
-  <New>DocumentLibraryForm</New>
-</FormTemplates>
+<file path=customXml/itemProps1.xml><?xml version="1.0" encoding="utf-8"?>
+<ds:datastoreItem xmlns:ds="http://schemas.openxmlformats.org/officeDocument/2006/customXml" ds:itemID="{F7443D6F-AD3E-4CE2-A12E-A1060583BD3F}">
+  <ds:schemaRefs>
+    <ds:schemaRef ds:uri="http://purl.org/dc/elements/1.1/"/>
+    <ds:schemaRef ds:uri="364f4060-5fe7-4c7e-a641-d7a91521b4a4"/>
+    <ds:schemaRef ds:uri="http://schemas.microsoft.com/office/2006/documentManagement/types"/>
+    <ds:schemaRef ds:uri="http://purl.org/dc/dcmitype/"/>
+    <ds:schemaRef ds:uri="http://www.w3.org/XML/1998/namespace"/>
+    <ds:schemaRef ds:uri="b2266073-0a5b-46f3-b5b9-a6b5e020fc64"/>
+    <ds:schemaRef ds:uri="http://schemas.microsoft.com/office/infopath/2007/PartnerControls"/>
+    <ds:schemaRef ds:uri="http://schemas.openxmlformats.org/package/2006/metadata/core-properties"/>
+    <ds:schemaRef ds:uri="http://schemas.microsoft.com/office/2006/metadata/properties"/>
+    <ds:schemaRef ds:uri="http://purl.org/dc/terms/"/>
+  </ds:schemaRefs>
+</ds:datastoreItem>
 </file>
 
-<file path=customXml/item3.xml><?xml version="1.0" encoding="utf-8"?>
-<p:properties xmlns:p="http://schemas.microsoft.com/office/2006/metadata/properties" xmlns:xsi="http://www.w3.org/2001/XMLSchema-instance" xmlns:pc="http://schemas.microsoft.com/office/infopath/2007/PartnerControls">
-  <documentManagement/>
-</p:properties>
+<file path=customXml/itemProps2.xml><?xml version="1.0" encoding="utf-8"?>
+<ds:datastoreItem xmlns:ds="http://schemas.openxmlformats.org/officeDocument/2006/customXml" ds:itemID="{C348DD30-EA72-40C1-BB11-7192574C5713}">
+  <ds:schemaRefs>
+    <ds:schemaRef ds:uri="http://schemas.microsoft.com/sharepoint/v3/contenttype/forms"/>
+  </ds:schemaRefs>
+</ds:datastoreItem>
 </file>
 
-<file path=customXml/itemProps1.xml><?xml version="1.0" encoding="utf-8"?>
+<file path=customXml/itemProps3.xml><?xml version="1.0" encoding="utf-8"?>
 <ds:datastoreItem xmlns:ds="http://schemas.openxmlformats.org/officeDocument/2006/customXml" ds:itemID="{B2EF6B5A-3DF6-47B2-9B90-5FD13849EFE1}">
   <ds:schemaRefs>
     <ds:schemaRef ds:uri="http://schemas.microsoft.com/office/2006/metadata/contentType"/>
@@ -10627,29 +10646,4 @@
     <ds:schemaRef ds:uri="http://schemas.microsoft.com/internal/obd"/>
   </ds:schemaRefs>
 </ds:datastoreItem>
-</file>
-
-<file path=customXml/itemProps2.xml><?xml version="1.0" encoding="utf-8"?>
-<ds:datastoreItem xmlns:ds="http://schemas.openxmlformats.org/officeDocument/2006/customXml" ds:itemID="{C348DD30-EA72-40C1-BB11-7192574C5713}">
-  <ds:schemaRefs>
-    <ds:schemaRef ds:uri="http://schemas.microsoft.com/sharepoint/v3/contenttype/forms"/>
-  </ds:schemaRefs>
-</ds:datastoreItem>
-</file>
-
-<file path=customXml/itemProps3.xml><?xml version="1.0" encoding="utf-8"?>
-<ds:datastoreItem xmlns:ds="http://schemas.openxmlformats.org/officeDocument/2006/customXml" ds:itemID="{F7443D6F-AD3E-4CE2-A12E-A1060583BD3F}">
-  <ds:schemaRefs>
-    <ds:schemaRef ds:uri="http://purl.org/dc/elements/1.1/"/>
-    <ds:schemaRef ds:uri="364f4060-5fe7-4c7e-a641-d7a91521b4a4"/>
-    <ds:schemaRef ds:uri="http://schemas.microsoft.com/office/2006/documentManagement/types"/>
-    <ds:schemaRef ds:uri="http://purl.org/dc/dcmitype/"/>
-    <ds:schemaRef ds:uri="http://www.w3.org/XML/1998/namespace"/>
-    <ds:schemaRef ds:uri="b2266073-0a5b-46f3-b5b9-a6b5e020fc64"/>
-    <ds:schemaRef ds:uri="http://schemas.microsoft.com/office/infopath/2007/PartnerControls"/>
-    <ds:schemaRef ds:uri="http://schemas.openxmlformats.org/package/2006/metadata/core-properties"/>
-    <ds:schemaRef ds:uri="http://schemas.microsoft.com/office/2006/metadata/properties"/>
-    <ds:schemaRef ds:uri="http://purl.org/dc/terms/"/>
-  </ds:schemaRefs>
-</ds:datastoreItem>
 </file>